--- a/Images/Figures_PPT/Torc2OnlyMetaPie.pptx
+++ b/Images/Figures_PPT/Torc2OnlyMetaPie.pptx
@@ -307,7 +307,7 @@
           <a:p>
             <a:fld id="{E6744CE3-0875-4B69-89C0-6F72D8139561}" type="datetimeFigureOut">
               <a:rPr lang="en-GB" smtClean="0"/>
-              <a:t>15/07/2025</a:t>
+              <a:t>29/07/2025</a:t>
             </a:fld>
             <a:endParaRPr lang="en-GB"/>
           </a:p>
@@ -477,7 +477,7 @@
           <a:p>
             <a:fld id="{E6744CE3-0875-4B69-89C0-6F72D8139561}" type="datetimeFigureOut">
               <a:rPr lang="en-GB" smtClean="0"/>
-              <a:t>15/07/2025</a:t>
+              <a:t>29/07/2025</a:t>
             </a:fld>
             <a:endParaRPr lang="en-GB"/>
           </a:p>
@@ -723,7 +723,7 @@
           <a:p>
             <a:fld id="{E6744CE3-0875-4B69-89C0-6F72D8139561}" type="datetimeFigureOut">
               <a:rPr lang="en-GB" smtClean="0"/>
-              <a:t>15/07/2025</a:t>
+              <a:t>29/07/2025</a:t>
             </a:fld>
             <a:endParaRPr lang="en-GB"/>
           </a:p>
@@ -1011,7 +1011,7 @@
           <a:p>
             <a:fld id="{E6744CE3-0875-4B69-89C0-6F72D8139561}" type="datetimeFigureOut">
               <a:rPr lang="en-GB" smtClean="0"/>
-              <a:t>15/07/2025</a:t>
+              <a:t>29/07/2025</a:t>
             </a:fld>
             <a:endParaRPr lang="en-GB"/>
           </a:p>
@@ -1433,7 +1433,7 @@
           <a:p>
             <a:fld id="{E6744CE3-0875-4B69-89C0-6F72D8139561}" type="datetimeFigureOut">
               <a:rPr lang="en-GB" smtClean="0"/>
-              <a:t>15/07/2025</a:t>
+              <a:t>29/07/2025</a:t>
             </a:fld>
             <a:endParaRPr lang="en-GB"/>
           </a:p>
@@ -1551,7 +1551,7 @@
           <a:p>
             <a:fld id="{E6744CE3-0875-4B69-89C0-6F72D8139561}" type="datetimeFigureOut">
               <a:rPr lang="en-GB" smtClean="0"/>
-              <a:t>15/07/2025</a:t>
+              <a:t>29/07/2025</a:t>
             </a:fld>
             <a:endParaRPr lang="en-GB"/>
           </a:p>
@@ -1646,7 +1646,7 @@
           <a:p>
             <a:fld id="{E6744CE3-0875-4B69-89C0-6F72D8139561}" type="datetimeFigureOut">
               <a:rPr lang="en-GB" smtClean="0"/>
-              <a:t>15/07/2025</a:t>
+              <a:t>29/07/2025</a:t>
             </a:fld>
             <a:endParaRPr lang="en-GB"/>
           </a:p>
@@ -1859,7 +1859,7 @@
           <a:p>
             <a:fld id="{E6744CE3-0875-4B69-89C0-6F72D8139561}" type="datetimeFigureOut">
               <a:rPr lang="en-GB" smtClean="0"/>
-              <a:t>15/07/2025</a:t>
+              <a:t>29/07/2025</a:t>
             </a:fld>
             <a:endParaRPr lang="en-GB"/>
           </a:p>
@@ -2277,8 +2277,8 @@
             <a:bodyPr/>
             <a:lstStyle/>
             <a:p>
-              <a:endParaRPr>
-                <a:latin typeface="Times New Roman" panose="02020603050405020304" pitchFamily="18" charset="0"/>
+              <a:endParaRPr sz="3600">
+                <a:latin typeface="Aptos" panose="020B0004020202020204" pitchFamily="34" charset="0"/>
                 <a:cs typeface="Times New Roman" panose="02020603050405020304" pitchFamily="18" charset="0"/>
               </a:endParaRPr>
             </a:p>
@@ -2545,8 +2545,8 @@
             <a:bodyPr/>
             <a:lstStyle/>
             <a:p>
-              <a:endParaRPr>
-                <a:latin typeface="Times New Roman" panose="02020603050405020304" pitchFamily="18" charset="0"/>
+              <a:endParaRPr sz="3600">
+                <a:latin typeface="Aptos" panose="020B0004020202020204" pitchFamily="34" charset="0"/>
                 <a:cs typeface="Times New Roman" panose="02020603050405020304" pitchFamily="18" charset="0"/>
               </a:endParaRPr>
             </a:p>
@@ -3278,8 +3278,8 @@
             <a:bodyPr/>
             <a:lstStyle/>
             <a:p>
-              <a:endParaRPr>
-                <a:latin typeface="Times New Roman" panose="02020603050405020304" pitchFamily="18" charset="0"/>
+              <a:endParaRPr sz="3600">
+                <a:latin typeface="Aptos" panose="020B0004020202020204" pitchFamily="34" charset="0"/>
                 <a:cs typeface="Times New Roman" panose="02020603050405020304" pitchFamily="18" charset="0"/>
               </a:endParaRPr>
             </a:p>
@@ -3317,62 +3317,16 @@
                 </a:spcAft>
               </a:pPr>
               <a:r>
-                <a:rPr sz="1707" dirty="0">
+                <a:rPr sz="3600" dirty="0">
                   <a:solidFill>
                     <a:srgbClr val="000000">
                       <a:alpha val="100000"/>
                     </a:srgbClr>
                   </a:solidFill>
-                  <a:latin typeface="Times New Roman" panose="02020603050405020304" pitchFamily="18" charset="0"/>
+                  <a:latin typeface="Aptos" panose="020B0004020202020204" pitchFamily="34" charset="0"/>
                   <a:cs typeface="Times New Roman" panose="02020603050405020304" pitchFamily="18" charset="0"/>
                 </a:rPr>
                 <a:t>Non-Plastid Parasite </a:t>
-              </a:r>
-            </a:p>
-          </p:txBody>
-        </p:sp>
-        <p:sp>
-          <p:nvSpPr>
-            <p:cNvPr id="8" name="tx7"/>
-            <p:cNvSpPr/>
-            <p:nvPr/>
-          </p:nvSpPr>
-          <p:spPr>
-            <a:xfrm>
-              <a:off x="5968957" y="1569691"/>
-              <a:ext cx="855806" cy="163560"/>
-            </a:xfrm>
-            <a:prstGeom prst="rect">
-              <a:avLst/>
-            </a:prstGeom>
-            <a:noFill/>
-          </p:spPr>
-          <p:txBody>
-            <a:bodyPr wrap="none" lIns="0" tIns="0" rIns="0" bIns="0" anchor="ctr" anchorCtr="1"/>
-            <a:lstStyle/>
-            <a:p>
-              <a:pPr marL="0" marR="0" indent="0" algn="l">
-                <a:lnSpc>
-                  <a:spcPts val="1707"/>
-                </a:lnSpc>
-                <a:spcBef>
-                  <a:spcPts val="0"/>
-                </a:spcBef>
-                <a:spcAft>
-                  <a:spcPts val="0"/>
-                </a:spcAft>
-              </a:pPr>
-              <a:r>
-                <a:rPr sz="1707" dirty="0">
-                  <a:solidFill>
-                    <a:srgbClr val="000000">
-                      <a:alpha val="100000"/>
-                    </a:srgbClr>
-                  </a:solidFill>
-                  <a:latin typeface="Times New Roman" panose="02020603050405020304" pitchFamily="18" charset="0"/>
-                  <a:cs typeface="Times New Roman" panose="02020603050405020304" pitchFamily="18" charset="0"/>
-                </a:rPr>
-                <a:t> 8.333 %</a:t>
               </a:r>
             </a:p>
           </p:txBody>
@@ -3409,108 +3363,16 @@
                 </a:spcAft>
               </a:pPr>
               <a:r>
-                <a:rPr sz="1707">
+                <a:rPr sz="3600">
                   <a:solidFill>
                     <a:srgbClr val="000000">
                       <a:alpha val="100000"/>
                     </a:srgbClr>
                   </a:solidFill>
-                  <a:latin typeface="Times New Roman" panose="02020603050405020304" pitchFamily="18" charset="0"/>
+                  <a:latin typeface="Aptos" panose="020B0004020202020204" pitchFamily="34" charset="0"/>
                   <a:cs typeface="Times New Roman" panose="02020603050405020304" pitchFamily="18" charset="0"/>
                 </a:rPr>
                 <a:t>Heterotroph </a:t>
-              </a:r>
-            </a:p>
-          </p:txBody>
-        </p:sp>
-        <p:sp>
-          <p:nvSpPr>
-            <p:cNvPr id="10" name="tx9"/>
-            <p:cNvSpPr/>
-            <p:nvPr/>
-          </p:nvSpPr>
-          <p:spPr>
-            <a:xfrm>
-              <a:off x="4678097" y="5487987"/>
-              <a:ext cx="976386" cy="163560"/>
-            </a:xfrm>
-            <a:prstGeom prst="rect">
-              <a:avLst/>
-            </a:prstGeom>
-            <a:noFill/>
-          </p:spPr>
-          <p:txBody>
-            <a:bodyPr wrap="none" lIns="0" tIns="0" rIns="0" bIns="0" anchor="ctr" anchorCtr="1"/>
-            <a:lstStyle/>
-            <a:p>
-              <a:pPr marL="0" marR="0" indent="0" algn="l">
-                <a:lnSpc>
-                  <a:spcPts val="1707"/>
-                </a:lnSpc>
-                <a:spcBef>
-                  <a:spcPts val="0"/>
-                </a:spcBef>
-                <a:spcAft>
-                  <a:spcPts val="0"/>
-                </a:spcAft>
-              </a:pPr>
-              <a:r>
-                <a:rPr sz="1707">
-                  <a:solidFill>
-                    <a:srgbClr val="000000">
-                      <a:alpha val="100000"/>
-                    </a:srgbClr>
-                  </a:solidFill>
-                  <a:latin typeface="Times New Roman" panose="02020603050405020304" pitchFamily="18" charset="0"/>
-                  <a:cs typeface="Times New Roman" panose="02020603050405020304" pitchFamily="18" charset="0"/>
-                </a:rPr>
-                <a:t> 91.667 %</a:t>
-              </a:r>
-            </a:p>
-          </p:txBody>
-        </p:sp>
-        <p:sp>
-          <p:nvSpPr>
-            <p:cNvPr id="11" name="tx10"/>
-            <p:cNvSpPr/>
-            <p:nvPr/>
-          </p:nvSpPr>
-          <p:spPr>
-            <a:xfrm>
-              <a:off x="2394382" y="942406"/>
-              <a:ext cx="3147342" cy="152578"/>
-            </a:xfrm>
-            <a:prstGeom prst="rect">
-              <a:avLst/>
-            </a:prstGeom>
-            <a:noFill/>
-          </p:spPr>
-          <p:txBody>
-            <a:bodyPr wrap="none" lIns="0" tIns="0" rIns="0" bIns="0" anchor="ctr" anchorCtr="1"/>
-            <a:lstStyle/>
-            <a:p>
-              <a:pPr marL="0" marR="0" indent="0" algn="l">
-                <a:lnSpc>
-                  <a:spcPts val="1320"/>
-                </a:lnSpc>
-                <a:spcBef>
-                  <a:spcPts val="0"/>
-                </a:spcBef>
-                <a:spcAft>
-                  <a:spcPts val="0"/>
-                </a:spcAft>
-              </a:pPr>
-              <a:r>
-                <a:rPr sz="1320">
-                  <a:solidFill>
-                    <a:srgbClr val="000000">
-                      <a:alpha val="100000"/>
-                    </a:srgbClr>
-                  </a:solidFill>
-                  <a:latin typeface="Times New Roman" panose="02020603050405020304" pitchFamily="18" charset="0"/>
-                  <a:cs typeface="Times New Roman" panose="02020603050405020304" pitchFamily="18" charset="0"/>
-                </a:rPr>
-                <a:t>Metabolic Strategies Breakdown TORC2 Only</a:t>
               </a:r>
             </a:p>
           </p:txBody>
